--- a/Activity 02 Part 1/Vertudez_Activity_2_Part_1_Report.pptx
+++ b/Activity 02 Part 1/Vertudez_Activity_2_Part_1_Report.pptx
@@ -267,7 +267,7 @@
           <a:p>
             <a:fld id="{C977F0E1-D0AB-4222-BA87-70E524633AC4}" type="datetimeFigureOut">
               <a:rPr lang="en-US" smtClean="0"/>
-              <a:t>6/20/2023</a:t>
+              <a:t>7/3/2023</a:t>
             </a:fld>
             <a:endParaRPr lang="en-US"/>
           </a:p>
@@ -465,7 +465,7 @@
           <a:p>
             <a:fld id="{C977F0E1-D0AB-4222-BA87-70E524633AC4}" type="datetimeFigureOut">
               <a:rPr lang="en-US" smtClean="0"/>
-              <a:t>6/20/2023</a:t>
+              <a:t>7/3/2023</a:t>
             </a:fld>
             <a:endParaRPr lang="en-US"/>
           </a:p>
@@ -673,7 +673,7 @@
           <a:p>
             <a:fld id="{C977F0E1-D0AB-4222-BA87-70E524633AC4}" type="datetimeFigureOut">
               <a:rPr lang="en-US" smtClean="0"/>
-              <a:t>6/20/2023</a:t>
+              <a:t>7/3/2023</a:t>
             </a:fld>
             <a:endParaRPr lang="en-US"/>
           </a:p>
@@ -871,7 +871,7 @@
           <a:p>
             <a:fld id="{C977F0E1-D0AB-4222-BA87-70E524633AC4}" type="datetimeFigureOut">
               <a:rPr lang="en-US" smtClean="0"/>
-              <a:t>6/20/2023</a:t>
+              <a:t>7/3/2023</a:t>
             </a:fld>
             <a:endParaRPr lang="en-US"/>
           </a:p>
@@ -1146,7 +1146,7 @@
           <a:p>
             <a:fld id="{C977F0E1-D0AB-4222-BA87-70E524633AC4}" type="datetimeFigureOut">
               <a:rPr lang="en-US" smtClean="0"/>
-              <a:t>6/20/2023</a:t>
+              <a:t>7/3/2023</a:t>
             </a:fld>
             <a:endParaRPr lang="en-US"/>
           </a:p>
@@ -1411,7 +1411,7 @@
           <a:p>
             <a:fld id="{C977F0E1-D0AB-4222-BA87-70E524633AC4}" type="datetimeFigureOut">
               <a:rPr lang="en-US" smtClean="0"/>
-              <a:t>6/20/2023</a:t>
+              <a:t>7/3/2023</a:t>
             </a:fld>
             <a:endParaRPr lang="en-US"/>
           </a:p>
@@ -1823,7 +1823,7 @@
           <a:p>
             <a:fld id="{C977F0E1-D0AB-4222-BA87-70E524633AC4}" type="datetimeFigureOut">
               <a:rPr lang="en-US" smtClean="0"/>
-              <a:t>6/20/2023</a:t>
+              <a:t>7/3/2023</a:t>
             </a:fld>
             <a:endParaRPr lang="en-US"/>
           </a:p>
@@ -1964,7 +1964,7 @@
           <a:p>
             <a:fld id="{C977F0E1-D0AB-4222-BA87-70E524633AC4}" type="datetimeFigureOut">
               <a:rPr lang="en-US" smtClean="0"/>
-              <a:t>6/20/2023</a:t>
+              <a:t>7/3/2023</a:t>
             </a:fld>
             <a:endParaRPr lang="en-US"/>
           </a:p>
@@ -2077,7 +2077,7 @@
           <a:p>
             <a:fld id="{C977F0E1-D0AB-4222-BA87-70E524633AC4}" type="datetimeFigureOut">
               <a:rPr lang="en-US" smtClean="0"/>
-              <a:t>6/20/2023</a:t>
+              <a:t>7/3/2023</a:t>
             </a:fld>
             <a:endParaRPr lang="en-US"/>
           </a:p>
@@ -2388,7 +2388,7 @@
           <a:p>
             <a:fld id="{C977F0E1-D0AB-4222-BA87-70E524633AC4}" type="datetimeFigureOut">
               <a:rPr lang="en-US" smtClean="0"/>
-              <a:t>6/20/2023</a:t>
+              <a:t>7/3/2023</a:t>
             </a:fld>
             <a:endParaRPr lang="en-US"/>
           </a:p>
@@ -2676,7 +2676,7 @@
           <a:p>
             <a:fld id="{C977F0E1-D0AB-4222-BA87-70E524633AC4}" type="datetimeFigureOut">
               <a:rPr lang="en-US" smtClean="0"/>
-              <a:t>6/20/2023</a:t>
+              <a:t>7/3/2023</a:t>
             </a:fld>
             <a:endParaRPr lang="en-US"/>
           </a:p>
@@ -2917,7 +2917,7 @@
           <a:p>
             <a:fld id="{C977F0E1-D0AB-4222-BA87-70E524633AC4}" type="datetimeFigureOut">
               <a:rPr lang="en-US" smtClean="0"/>
-              <a:t>6/20/2023</a:t>
+              <a:t>7/3/2023</a:t>
             </a:fld>
             <a:endParaRPr lang="en-US"/>
           </a:p>
@@ -3352,7 +3352,7 @@
         </p:nvSpPr>
         <p:spPr>
           <a:xfrm>
-            <a:off x="1524000" y="2235200"/>
+            <a:off x="1524000" y="1782439"/>
             <a:ext cx="9144000" cy="2387600"/>
           </a:xfrm>
         </p:spPr>
@@ -3394,7 +3394,7 @@
         </p:nvSpPr>
         <p:spPr>
           <a:xfrm>
-            <a:off x="1524000" y="4992318"/>
+            <a:off x="1524000" y="4539557"/>
             <a:ext cx="9144000" cy="993228"/>
           </a:xfrm>
         </p:spPr>
@@ -3475,7 +3475,7 @@
           <a:lstStyle/>
           <a:p>
             <a:r>
-              <a:rPr lang="en-US" dirty="0"/>
+              <a:rPr lang="en-US" b="1" dirty="0"/>
               <a:t>OBJECTIVES</a:t>
             </a:r>
           </a:p>
@@ -3579,8 +3579,8 @@
           <a:lstStyle/>
           <a:p>
             <a:r>
-              <a:rPr lang="en-US" dirty="0"/>
-              <a:t>RESULTS &amp; ANALYSIS</a:t>
+              <a:rPr lang="en-US" b="1" dirty="0"/>
+              <a:t>DISCRETE FOURIER TRANSFORM</a:t>
             </a:r>
           </a:p>
         </p:txBody>
@@ -4425,9 +4425,10 @@
           <a:lstStyle/>
           <a:p>
             <a:r>
-              <a:rPr lang="en-US" dirty="0"/>
-              <a:t>RESULTS &amp; ANALYSIS</a:t>
-            </a:r>
+              <a:rPr lang="en-US" b="1" dirty="0"/>
+              <a:t>DISCRETE FOURIER TRANSFORM</a:t>
+            </a:r>
+            <a:endParaRPr lang="en-US" dirty="0"/>
           </a:p>
         </p:txBody>
       </p:sp>
@@ -4982,9 +4983,10 @@
           <a:lstStyle/>
           <a:p>
             <a:r>
-              <a:rPr lang="en-US" dirty="0"/>
-              <a:t>RESULTS &amp; ANALYSIS</a:t>
-            </a:r>
+              <a:rPr lang="en-US" b="1" dirty="0"/>
+              <a:t>DISCRETE FOURIER TRANSFORM</a:t>
+            </a:r>
+            <a:endParaRPr lang="en-US" dirty="0"/>
           </a:p>
         </p:txBody>
       </p:sp>
@@ -5580,8 +5582,8 @@
           <a:lstStyle/>
           <a:p>
             <a:r>
-              <a:rPr lang="en-US" dirty="0"/>
-              <a:t>RESULTS &amp; ANALYSIS</a:t>
+              <a:rPr lang="en-US" b="1" dirty="0"/>
+              <a:t>CONVOLUTION</a:t>
             </a:r>
           </a:p>
         </p:txBody>
@@ -6389,8 +6391,8 @@
           <a:lstStyle/>
           <a:p>
             <a:r>
-              <a:rPr lang="en-US" dirty="0"/>
-              <a:t>RESULTS &amp; ANALYSIS</a:t>
+              <a:rPr lang="en-US" b="1" dirty="0"/>
+              <a:t>CONVOLUTION</a:t>
             </a:r>
           </a:p>
         </p:txBody>
@@ -6836,7 +6838,7 @@
           <a:lstStyle/>
           <a:p>
             <a:r>
-              <a:rPr lang="en-US" dirty="0"/>
+              <a:rPr lang="en-US" b="1" dirty="0"/>
               <a:t>REFLECTION</a:t>
             </a:r>
           </a:p>
@@ -6863,27 +6865,39 @@
           <a:bodyPr/>
           <a:lstStyle/>
           <a:p>
+            <a:pPr marL="0" indent="0">
+              <a:buNone/>
+            </a:pPr>
             <a:r>
               <a:rPr lang="en-US" dirty="0"/>
-              <a:t>This activity was straightforward so I was able to follow it easily.</a:t>
-            </a:r>
-          </a:p>
-          <a:p>
+              <a:t>This activity was straightforward, so I was able to follow it easily.</a:t>
+            </a:r>
+          </a:p>
+          <a:p>
+            <a:pPr marL="0" indent="0">
+              <a:buNone/>
+            </a:pPr>
+            <a:r>
+              <a:rPr lang="en-US" dirty="0"/>
+              <a:t>The applications of Fourier transform in images was actually fun and helped me strengthen my knowledge on Fourier analysis.</a:t>
+            </a:r>
+          </a:p>
+          <a:p>
+            <a:pPr marL="0" indent="0">
+              <a:buNone/>
+            </a:pPr>
             <a:r>
               <a:rPr lang="en-US" dirty="0"/>
               <a:t>It is cool that the pixels can act as Dirac delta functions such that other images are copied to each pixel when convolved.</a:t>
             </a:r>
           </a:p>
           <a:p>
+            <a:pPr marL="0" indent="0">
+              <a:buNone/>
+            </a:pPr>
             <a:r>
               <a:rPr lang="en-US" dirty="0"/>
-              <a:t>I managed to do it on time this time.</a:t>
-            </a:r>
-          </a:p>
-          <a:p>
-            <a:r>
-              <a:rPr lang="en-US" dirty="0"/>
-              <a:t>I give myself a 10/10.</a:t>
+              <a:t>I’m just happy that I got to do this activity on time.</a:t>
             </a:r>
           </a:p>
         </p:txBody>
@@ -6954,7 +6968,7 @@
               <a:buNone/>
             </a:pPr>
             <a:r>
-              <a:rPr lang="en-US" sz="4400" strike="noStrike" spc="-1" dirty="0">
+              <a:rPr lang="en-US" sz="4400" b="1" strike="noStrike" spc="-1" dirty="0">
                 <a:solidFill>
                   <a:srgbClr val="000000"/>
                 </a:solidFill>
@@ -7045,7 +7059,7 @@
                 </a:solidFill>
                 <a:latin typeface="Calibri"/>
               </a:rPr>
-              <a:t>am confident that I understood how to use ImageJ to extract feature from images, and have applied it.</a:t>
+              <a:t>am confident that I understood how the Fourier transform of an image works and how to apply them in image processing.</a:t>
             </a:r>
           </a:p>
           <a:p>
@@ -7090,7 +7104,7 @@
                 </a:solidFill>
                 <a:latin typeface="Calibri"/>
               </a:rPr>
-              <a:t>I have explained each step, and images are clear and concise.</a:t>
+              <a:t>I have explained each step and idea, and images are clear and concise.</a:t>
             </a:r>
           </a:p>
           <a:p>
@@ -7135,7 +7149,7 @@
                 </a:solidFill>
                 <a:latin typeface="Calibri"/>
               </a:rPr>
-              <a:t>Even though I was slacking in this subject for a while, I managed to get back on track. The topics are really fun and interesting. It helped me understand the ideas behind image tools such as smartphone cameras, Photoshop, etc.</a:t>
+              <a:t>This activity was fun and it was the first activity that I managed to do on time.</a:t>
             </a:r>
           </a:p>
           <a:p>
@@ -7180,7 +7194,7 @@
                 </a:solidFill>
                 <a:latin typeface="Calibri"/>
               </a:rPr>
-              <a:t>I used an extra image for extraction.</a:t>
+              <a:t>I went beyond the expected output.</a:t>
             </a:r>
           </a:p>
         </p:txBody>

--- a/Activity 02 Part 1/Vertudez_Activity_2_Part_1_Report.pptx
+++ b/Activity 02 Part 1/Vertudez_Activity_2_Part_1_Report.pptx
@@ -14,6 +14,7 @@
     <p:sldId id="261" r:id="rId8"/>
     <p:sldId id="260" r:id="rId9"/>
     <p:sldId id="270" r:id="rId10"/>
+    <p:sldId id="271" r:id="rId11"/>
   </p:sldIdLst>
   <p:sldSz cx="12192000" cy="6858000"/>
   <p:notesSz cx="6858000" cy="9144000"/>
@@ -3436,6 +3437,112 @@
 </p:sld>
 </file>
 
+<file path=ppt/slides/slide10.xml><?xml version="1.0" encoding="utf-8"?>
+<p:sld xmlns:a="http://schemas.openxmlformats.org/drawingml/2006/main" xmlns:r="http://schemas.openxmlformats.org/officeDocument/2006/relationships" xmlns:p="http://schemas.openxmlformats.org/presentationml/2006/main">
+  <p:cSld>
+    <p:spTree>
+      <p:nvGrpSpPr>
+        <p:cNvPr id="1" name=""/>
+        <p:cNvGrpSpPr/>
+        <p:nvPr/>
+      </p:nvGrpSpPr>
+      <p:grpSpPr>
+        <a:xfrm>
+          <a:off x="0" y="0"/>
+          <a:ext cx="0" cy="0"/>
+          <a:chOff x="0" y="0"/>
+          <a:chExt cx="0" cy="0"/>
+        </a:xfrm>
+      </p:grpSpPr>
+      <p:sp>
+        <p:nvSpPr>
+          <p:cNvPr id="2" name="Title 1">
+            <a:extLst>
+              <a:ext uri="{FF2B5EF4-FFF2-40B4-BE49-F238E27FC236}">
+                <a16:creationId xmlns:a16="http://schemas.microsoft.com/office/drawing/2014/main" id="{FB10E9C4-38D8-4459-800D-34EFB8965C72}"/>
+              </a:ext>
+            </a:extLst>
+          </p:cNvPr>
+          <p:cNvSpPr>
+            <a:spLocks noGrp="1"/>
+          </p:cNvSpPr>
+          <p:nvPr>
+            <p:ph type="title"/>
+          </p:nvPr>
+        </p:nvSpPr>
+        <p:spPr/>
+        <p:txBody>
+          <a:bodyPr/>
+          <a:lstStyle/>
+          <a:p>
+            <a:r>
+              <a:rPr lang="en-US" b="1" dirty="0"/>
+              <a:t>REFERENCES</a:t>
+            </a:r>
+          </a:p>
+        </p:txBody>
+      </p:sp>
+      <p:sp>
+        <p:nvSpPr>
+          <p:cNvPr id="3" name="Content Placeholder 2">
+            <a:extLst>
+              <a:ext uri="{FF2B5EF4-FFF2-40B4-BE49-F238E27FC236}">
+                <a16:creationId xmlns:a16="http://schemas.microsoft.com/office/drawing/2014/main" id="{D311CE1B-D3A4-475E-8BB4-E8DD00D0BF45}"/>
+              </a:ext>
+            </a:extLst>
+          </p:cNvPr>
+          <p:cNvSpPr>
+            <a:spLocks noGrp="1"/>
+          </p:cNvSpPr>
+          <p:nvPr>
+            <p:ph idx="1"/>
+          </p:nvPr>
+        </p:nvSpPr>
+        <p:spPr/>
+        <p:txBody>
+          <a:bodyPr/>
+          <a:lstStyle/>
+          <a:p>
+            <a:pPr marL="0" indent="0">
+              <a:buNone/>
+            </a:pPr>
+            <a:r>
+              <a:rPr lang="en-US" dirty="0"/>
+              <a:t>[1] Soriano, M. (2023). AP 157 module. FT in Image Processing Part1.</a:t>
+            </a:r>
+          </a:p>
+          <a:p>
+            <a:pPr marL="0" indent="0">
+              <a:buNone/>
+            </a:pPr>
+            <a:r>
+              <a:rPr lang="en-US" dirty="0"/>
+              <a:t>[2] Cal </a:t>
+            </a:r>
+            <a:r>
+              <a:rPr lang="en-US" dirty="0" err="1"/>
+              <a:t>Kestis</a:t>
+            </a:r>
+            <a:r>
+              <a:rPr lang="en-US" dirty="0"/>
+              <a:t> screenshot. Star Wars Jedi: Fallen Order (2019).</a:t>
+            </a:r>
+          </a:p>
+        </p:txBody>
+      </p:sp>
+    </p:spTree>
+    <p:extLst>
+      <p:ext uri="{BB962C8B-B14F-4D97-AF65-F5344CB8AC3E}">
+        <p14:creationId xmlns:p14="http://schemas.microsoft.com/office/powerpoint/2010/main" val="2104034824"/>
+      </p:ext>
+    </p:extLst>
+  </p:cSld>
+  <p:clrMapOvr>
+    <a:masterClrMapping/>
+  </p:clrMapOvr>
+</p:sld>
+</file>
+
 <file path=ppt/slides/slide2.xml><?xml version="1.0" encoding="utf-8"?>
 <p:sld xmlns:a="http://schemas.openxmlformats.org/drawingml/2006/main" xmlns:r="http://schemas.openxmlformats.org/officeDocument/2006/relationships" xmlns:p="http://schemas.openxmlformats.org/presentationml/2006/main">
   <p:cSld>
